--- a/NTT-AT/Requirement/顧客への提案.pptx
+++ b/NTT-AT/Requirement/顧客への提案.pptx
@@ -115,6 +115,11 @@
       </a:defRPr>
     </a:lvl9pPr>
   </p:defaultTextStyle>
+  <p:extLst>
+    <p:ext uri="{EFAFB233-063F-42B5-8137-9DF3F51BA10A}">
+      <p15:sldGuideLst xmlns:p15="http://schemas.microsoft.com/office/powerpoint/2012/main"/>
+    </p:ext>
+  </p:extLst>
 </p:presentation>
 </file>
 
@@ -265,7 +270,7 @@
           <a:p>
             <a:fld id="{0A124E22-02BF-4EF7-91DE-1E18AA3170E3}" type="datetimeFigureOut">
               <a:rPr kumimoji="1" lang="ja-JP" altLang="en-US" smtClean="0"/>
-              <a:t>2020/9/11</a:t>
+              <a:t>2020/9/15</a:t>
             </a:fld>
             <a:endParaRPr kumimoji="1" lang="ja-JP" altLang="en-US"/>
           </a:p>
@@ -495,7 +500,7 @@
           <a:p>
             <a:fld id="{0A124E22-02BF-4EF7-91DE-1E18AA3170E3}" type="datetimeFigureOut">
               <a:rPr kumimoji="1" lang="ja-JP" altLang="en-US" smtClean="0"/>
-              <a:t>2020/9/11</a:t>
+              <a:t>2020/9/15</a:t>
             </a:fld>
             <a:endParaRPr kumimoji="1" lang="ja-JP" altLang="en-US"/>
           </a:p>
@@ -735,7 +740,7 @@
           <a:p>
             <a:fld id="{0A124E22-02BF-4EF7-91DE-1E18AA3170E3}" type="datetimeFigureOut">
               <a:rPr kumimoji="1" lang="ja-JP" altLang="en-US" smtClean="0"/>
-              <a:t>2020/9/11</a:t>
+              <a:t>2020/9/15</a:t>
             </a:fld>
             <a:endParaRPr kumimoji="1" lang="ja-JP" altLang="en-US"/>
           </a:p>
@@ -965,7 +970,7 @@
           <a:p>
             <a:fld id="{0A124E22-02BF-4EF7-91DE-1E18AA3170E3}" type="datetimeFigureOut">
               <a:rPr kumimoji="1" lang="ja-JP" altLang="en-US" smtClean="0"/>
-              <a:t>2020/9/11</a:t>
+              <a:t>2020/9/15</a:t>
             </a:fld>
             <a:endParaRPr kumimoji="1" lang="ja-JP" altLang="en-US"/>
           </a:p>
@@ -1240,7 +1245,7 @@
           <a:p>
             <a:fld id="{0A124E22-02BF-4EF7-91DE-1E18AA3170E3}" type="datetimeFigureOut">
               <a:rPr kumimoji="1" lang="ja-JP" altLang="en-US" smtClean="0"/>
-              <a:t>2020/9/11</a:t>
+              <a:t>2020/9/15</a:t>
             </a:fld>
             <a:endParaRPr kumimoji="1" lang="ja-JP" altLang="en-US"/>
           </a:p>
@@ -1569,7 +1574,7 @@
           <a:p>
             <a:fld id="{0A124E22-02BF-4EF7-91DE-1E18AA3170E3}" type="datetimeFigureOut">
               <a:rPr kumimoji="1" lang="ja-JP" altLang="en-US" smtClean="0"/>
-              <a:t>2020/9/11</a:t>
+              <a:t>2020/9/15</a:t>
             </a:fld>
             <a:endParaRPr kumimoji="1" lang="ja-JP" altLang="en-US"/>
           </a:p>
@@ -2045,7 +2050,7 @@
           <a:p>
             <a:fld id="{0A124E22-02BF-4EF7-91DE-1E18AA3170E3}" type="datetimeFigureOut">
               <a:rPr kumimoji="1" lang="ja-JP" altLang="en-US" smtClean="0"/>
-              <a:t>2020/9/11</a:t>
+              <a:t>2020/9/15</a:t>
             </a:fld>
             <a:endParaRPr kumimoji="1" lang="ja-JP" altLang="en-US"/>
           </a:p>
@@ -2186,7 +2191,7 @@
           <a:p>
             <a:fld id="{0A124E22-02BF-4EF7-91DE-1E18AA3170E3}" type="datetimeFigureOut">
               <a:rPr kumimoji="1" lang="ja-JP" altLang="en-US" smtClean="0"/>
-              <a:t>2020/9/11</a:t>
+              <a:t>2020/9/15</a:t>
             </a:fld>
             <a:endParaRPr kumimoji="1" lang="ja-JP" altLang="en-US"/>
           </a:p>
@@ -2299,7 +2304,7 @@
           <a:p>
             <a:fld id="{0A124E22-02BF-4EF7-91DE-1E18AA3170E3}" type="datetimeFigureOut">
               <a:rPr kumimoji="1" lang="ja-JP" altLang="en-US" smtClean="0"/>
-              <a:t>2020/9/11</a:t>
+              <a:t>2020/9/15</a:t>
             </a:fld>
             <a:endParaRPr kumimoji="1" lang="ja-JP" altLang="en-US"/>
           </a:p>
@@ -2642,7 +2647,7 @@
           <a:p>
             <a:fld id="{0A124E22-02BF-4EF7-91DE-1E18AA3170E3}" type="datetimeFigureOut">
               <a:rPr kumimoji="1" lang="ja-JP" altLang="en-US" smtClean="0"/>
-              <a:t>2020/9/11</a:t>
+              <a:t>2020/9/15</a:t>
             </a:fld>
             <a:endParaRPr kumimoji="1" lang="ja-JP" altLang="en-US"/>
           </a:p>
@@ -2930,7 +2935,7 @@
           <a:p>
             <a:fld id="{0A124E22-02BF-4EF7-91DE-1E18AA3170E3}" type="datetimeFigureOut">
               <a:rPr kumimoji="1" lang="ja-JP" altLang="en-US" smtClean="0"/>
-              <a:t>2020/9/11</a:t>
+              <a:t>2020/9/15</a:t>
             </a:fld>
             <a:endParaRPr kumimoji="1" lang="ja-JP" altLang="en-US"/>
           </a:p>
@@ -3203,7 +3208,7 @@
           <a:p>
             <a:fld id="{0A124E22-02BF-4EF7-91DE-1E18AA3170E3}" type="datetimeFigureOut">
               <a:rPr kumimoji="1" lang="ja-JP" altLang="en-US" smtClean="0"/>
-              <a:t>2020/9/11</a:t>
+              <a:t>2020/9/15</a:t>
             </a:fld>
             <a:endParaRPr kumimoji="1" lang="ja-JP" altLang="en-US"/>
           </a:p>
@@ -3991,8 +3996,12 @@
           <a:lstStyle/>
           <a:p>
             <a:r>
-              <a:rPr kumimoji="1" lang="ja-JP" altLang="en-US" dirty="0"/>
-              <a:t>ファイヤーウォール</a:t>
+              <a:rPr lang="ja-JP" altLang="en-US"/>
+              <a:t>ファイア</a:t>
+            </a:r>
+            <a:r>
+              <a:rPr kumimoji="1" lang="ja-JP" altLang="en-US"/>
+              <a:t>ウォール</a:t>
             </a:r>
             <a:endParaRPr kumimoji="1" lang="en-US" altLang="ja-JP" dirty="0"/>
           </a:p>
@@ -4040,14 +4049,18 @@
             </a:pPr>
             <a:r>
               <a:rPr lang="ja-JP" altLang="en-US" dirty="0"/>
-              <a:t>  個数：</a:t>
+              <a:t>  </a:t>
+            </a:r>
+            <a:r>
+              <a:rPr lang="ja-JP" altLang="en-US"/>
+              <a:t>個数：</a:t>
             </a:r>
             <a:r>
               <a:rPr lang="en-US" altLang="ja-JP" dirty="0"/>
-              <a:t>1</a:t>
-            </a:r>
-            <a:r>
-              <a:rPr lang="ja-JP" altLang="en-US" dirty="0"/>
+              <a:t>3</a:t>
+            </a:r>
+            <a:r>
+              <a:rPr lang="ja-JP" altLang="en-US"/>
               <a:t>本</a:t>
             </a:r>
             <a:endParaRPr kumimoji="1" lang="ja-JP" altLang="en-US" dirty="0"/>
